--- a/lesson24.pptx
+++ b/lesson24.pptx
@@ -150,7 +150,7 @@
 <file path=ppt/revisionInfo.xml><?xml version="1.0" encoding="utf-8"?>
 <p1510:revInfo xmlns:a="http://schemas.openxmlformats.org/drawingml/2006/main" xmlns:r="http://schemas.openxmlformats.org/officeDocument/2006/relationships" xmlns:p1510="http://schemas.microsoft.com/office/powerpoint/2015/10/main">
   <p1510:revLst>
-    <p1510:client id="{D87CA792-552E-4409-888C-7420A4AC4A6A}" v="4" dt="2021-03-18T09:11:19.082"/>
+    <p1510:client id="{341F3A57-999A-491B-8B21-9DF5B7350210}" v="1" dt="2021-04-23T05:11:53.018"/>
   </p1510:revLst>
 </p1510:revInfo>
 </file>
@@ -297,6 +297,61 @@
       </pc:sldChg>
     </pc:docChg>
   </pc:docChgLst>
+  <pc:docChgLst>
+    <pc:chgData name="Anatoliy Kigel" userId="7432c6c4687b0a9c" providerId="LiveId" clId="{341F3A57-999A-491B-8B21-9DF5B7350210}"/>
+    <pc:docChg chg="custSel modSld">
+      <pc:chgData name="Anatoliy Kigel" userId="7432c6c4687b0a9c" providerId="LiveId" clId="{341F3A57-999A-491B-8B21-9DF5B7350210}" dt="2021-04-23T05:12:27.223" v="6" actId="404"/>
+      <pc:docMkLst>
+        <pc:docMk/>
+      </pc:docMkLst>
+      <pc:sldChg chg="addSp delSp modSp mod">
+        <pc:chgData name="Anatoliy Kigel" userId="7432c6c4687b0a9c" providerId="LiveId" clId="{341F3A57-999A-491B-8B21-9DF5B7350210}" dt="2021-04-23T05:11:54.506" v="4" actId="962"/>
+        <pc:sldMkLst>
+          <pc:docMk/>
+          <pc:sldMk cId="3087735270" sldId="659"/>
+        </pc:sldMkLst>
+        <pc:picChg chg="del">
+          <ac:chgData name="Anatoliy Kigel" userId="7432c6c4687b0a9c" providerId="LiveId" clId="{341F3A57-999A-491B-8B21-9DF5B7350210}" dt="2021-04-23T05:11:51.815" v="1" actId="478"/>
+          <ac:picMkLst>
+            <pc:docMk/>
+            <pc:sldMk cId="3087735270" sldId="659"/>
+            <ac:picMk id="3" creationId="{84DEF82B-F516-4812-9978-16063D33DA6B}"/>
+          </ac:picMkLst>
+        </pc:picChg>
+        <pc:picChg chg="add mod">
+          <ac:chgData name="Anatoliy Kigel" userId="7432c6c4687b0a9c" providerId="LiveId" clId="{341F3A57-999A-491B-8B21-9DF5B7350210}" dt="2021-04-23T05:11:54.506" v="4" actId="962"/>
+          <ac:picMkLst>
+            <pc:docMk/>
+            <pc:sldMk cId="3087735270" sldId="659"/>
+            <ac:picMk id="4" creationId="{C532192B-1FA5-446F-8B87-C7BF8ED7C2AA}"/>
+          </ac:picMkLst>
+        </pc:picChg>
+        <pc:picChg chg="del">
+          <ac:chgData name="Anatoliy Kigel" userId="7432c6c4687b0a9c" providerId="LiveId" clId="{341F3A57-999A-491B-8B21-9DF5B7350210}" dt="2021-04-23T05:11:31.855" v="0" actId="478"/>
+          <ac:picMkLst>
+            <pc:docMk/>
+            <pc:sldMk cId="3087735270" sldId="659"/>
+            <ac:picMk id="8" creationId="{389BEADC-6033-4720-AA4E-129AD6B196E1}"/>
+          </ac:picMkLst>
+        </pc:picChg>
+      </pc:sldChg>
+      <pc:sldChg chg="modSp mod">
+        <pc:chgData name="Anatoliy Kigel" userId="7432c6c4687b0a9c" providerId="LiveId" clId="{341F3A57-999A-491B-8B21-9DF5B7350210}" dt="2021-04-23T05:12:27.223" v="6" actId="404"/>
+        <pc:sldMkLst>
+          <pc:docMk/>
+          <pc:sldMk cId="2738311051" sldId="660"/>
+        </pc:sldMkLst>
+        <pc:spChg chg="mod">
+          <ac:chgData name="Anatoliy Kigel" userId="7432c6c4687b0a9c" providerId="LiveId" clId="{341F3A57-999A-491B-8B21-9DF5B7350210}" dt="2021-04-23T05:12:27.223" v="6" actId="404"/>
+          <ac:spMkLst>
+            <pc:docMk/>
+            <pc:sldMk cId="2738311051" sldId="660"/>
+            <ac:spMk id="4" creationId="{00000000-0000-0000-0000-000000000000}"/>
+          </ac:spMkLst>
+        </pc:spChg>
+      </pc:sldChg>
+    </pc:docChg>
+  </pc:docChgLst>
 </pc:chgInfo>
 </file>
 
@@ -383,7 +438,7 @@
             <a:fld id="{85522811-C5C6-42D2-A409-F8556720C93F}" type="datetimeFigureOut">
               <a:rPr lang="uk-UA" smtClean="0"/>
               <a:pPr/>
-              <a:t>18.03.2021</a:t>
+              <a:t>23.04.2021</a:t>
             </a:fld>
             <a:endParaRPr lang="uk-UA" dirty="0"/>
           </a:p>
@@ -928,7 +983,7 @@
             <a:fld id="{0A2E6AC4-C3FE-4E70-88D1-136405B25267}" type="datetime1">
               <a:rPr lang="uk-UA" smtClean="0"/>
               <a:pPr/>
-              <a:t>18.03.2021</a:t>
+              <a:t>23.04.2021</a:t>
             </a:fld>
             <a:endParaRPr lang="uk-UA" dirty="0"/>
           </a:p>
@@ -1095,7 +1150,7 @@
             <a:fld id="{B4D85949-5AE9-41F1-B18C-DA1006B0E8CC}" type="datetime1">
               <a:rPr lang="uk-UA" smtClean="0"/>
               <a:pPr/>
-              <a:t>18.03.2021</a:t>
+              <a:t>23.04.2021</a:t>
             </a:fld>
             <a:endParaRPr lang="uk-UA" dirty="0"/>
           </a:p>
@@ -1272,7 +1327,7 @@
             <a:fld id="{B20C227C-94C5-4BA1-A89C-1C7570144B22}" type="datetime1">
               <a:rPr lang="uk-UA" smtClean="0"/>
               <a:pPr/>
-              <a:t>18.03.2021</a:t>
+              <a:t>23.04.2021</a:t>
             </a:fld>
             <a:endParaRPr lang="uk-UA" dirty="0"/>
           </a:p>
@@ -1439,7 +1494,7 @@
             <a:fld id="{68E2E168-B245-4D8D-8538-B29990DBF87B}" type="datetime1">
               <a:rPr lang="uk-UA" smtClean="0"/>
               <a:pPr/>
-              <a:t>18.03.2021</a:t>
+              <a:t>23.04.2021</a:t>
             </a:fld>
             <a:endParaRPr lang="uk-UA" dirty="0"/>
           </a:p>
@@ -1682,7 +1737,7 @@
             <a:fld id="{356DAF6E-7007-4E61-B36E-794BF232B234}" type="datetime1">
               <a:rPr lang="uk-UA" smtClean="0"/>
               <a:pPr/>
-              <a:t>18.03.2021</a:t>
+              <a:t>23.04.2021</a:t>
             </a:fld>
             <a:endParaRPr lang="uk-UA" dirty="0"/>
           </a:p>
@@ -1967,7 +2022,7 @@
             <a:fld id="{4B2141DD-FE72-44AA-B946-B70892F1F5B7}" type="datetime1">
               <a:rPr lang="uk-UA" smtClean="0"/>
               <a:pPr/>
-              <a:t>18.03.2021</a:t>
+              <a:t>23.04.2021</a:t>
             </a:fld>
             <a:endParaRPr lang="uk-UA" dirty="0"/>
           </a:p>
@@ -2386,7 +2441,7 @@
             <a:fld id="{D1C4DC7C-6CC4-4D1F-A21B-A650800E0532}" type="datetime1">
               <a:rPr lang="uk-UA" smtClean="0"/>
               <a:pPr/>
-              <a:t>18.03.2021</a:t>
+              <a:t>23.04.2021</a:t>
             </a:fld>
             <a:endParaRPr lang="uk-UA" dirty="0"/>
           </a:p>
@@ -2501,7 +2556,7 @@
             <a:fld id="{09E753FA-BE70-4E9D-A1A2-A798C2E22C2C}" type="datetime1">
               <a:rPr lang="uk-UA" smtClean="0"/>
               <a:pPr/>
-              <a:t>18.03.2021</a:t>
+              <a:t>23.04.2021</a:t>
             </a:fld>
             <a:endParaRPr lang="uk-UA" dirty="0"/>
           </a:p>
@@ -2593,7 +2648,7 @@
             <a:fld id="{BC4E9D1B-A194-48C6-B5A1-4C29D0F81227}" type="datetime1">
               <a:rPr lang="uk-UA" smtClean="0"/>
               <a:pPr/>
-              <a:t>18.03.2021</a:t>
+              <a:t>23.04.2021</a:t>
             </a:fld>
             <a:endParaRPr lang="uk-UA" dirty="0"/>
           </a:p>
@@ -2867,7 +2922,7 @@
             <a:fld id="{98DC5B78-3AEE-4E8C-84A2-DF8B252C6B7D}" type="datetime1">
               <a:rPr lang="uk-UA" smtClean="0"/>
               <a:pPr/>
-              <a:t>18.03.2021</a:t>
+              <a:t>23.04.2021</a:t>
             </a:fld>
             <a:endParaRPr lang="uk-UA" dirty="0"/>
           </a:p>
@@ -3117,7 +3172,7 @@
             <a:fld id="{08E6AC05-7690-4D29-B090-15CFA8055B58}" type="datetime1">
               <a:rPr lang="uk-UA" smtClean="0"/>
               <a:pPr/>
-              <a:t>18.03.2021</a:t>
+              <a:t>23.04.2021</a:t>
             </a:fld>
             <a:endParaRPr lang="uk-UA" dirty="0"/>
           </a:p>
@@ -3327,7 +3382,7 @@
             <a:fld id="{C4778AB5-85A2-4D58-9351-A198925B541D}" type="datetime1">
               <a:rPr lang="uk-UA" smtClean="0"/>
               <a:pPr/>
-              <a:t>18.03.2021</a:t>
+              <a:t>23.04.2021</a:t>
             </a:fld>
             <a:endParaRPr lang="uk-UA" dirty="0"/>
           </a:p>
@@ -7200,10 +7255,10 @@
       </p:grpSpPr>
       <p:pic>
         <p:nvPicPr>
-          <p:cNvPr id="3" name="Рисунок 2" descr="Зображення, що містить текст&#10;&#10;Автоматично згенерований опис">
+          <p:cNvPr id="4" name="Рисунок 3" descr="Зображення, що містить текст&#10;&#10;Автоматично згенерований опис">
             <a:extLst>
               <a:ext uri="{FF2B5EF4-FFF2-40B4-BE49-F238E27FC236}">
-                <a16:creationId xmlns:a16="http://schemas.microsoft.com/office/drawing/2014/main" id="{84DEF82B-F516-4812-9978-16063D33DA6B}"/>
+                <a16:creationId xmlns:a16="http://schemas.microsoft.com/office/drawing/2014/main" id="{C532192B-1FA5-446F-8B87-C7BF8ED7C2AA}"/>
               </a:ext>
             </a:extLst>
           </p:cNvPr>
@@ -7212,7 +7267,7 @@
           </p:cNvPicPr>
           <p:nvPr/>
         </p:nvPicPr>
-        <p:blipFill rotWithShape="1">
+        <p:blipFill>
           <a:blip r:embed="rId2">
             <a:extLst>
               <a:ext uri="{28A0092B-C50C-407E-A947-70E740481C1C}">
@@ -7220,72 +7275,18 @@
               </a:ext>
             </a:extLst>
           </a:blip>
-          <a:srcRect l="30820" t="4473" r="32161" b="8045"/>
-          <a:stretch/>
+          <a:stretch>
+            <a:fillRect/>
+          </a:stretch>
         </p:blipFill>
         <p:spPr>
           <a:xfrm>
-            <a:off x="6904806" y="296652"/>
-            <a:ext cx="4680520" cy="6264696"/>
+            <a:off x="0" y="1390"/>
+            <a:ext cx="12192000" cy="6855220"/>
           </a:xfrm>
           <a:prstGeom prst="rect">
             <a:avLst/>
           </a:prstGeom>
-          <a:ln>
-            <a:noFill/>
-          </a:ln>
-          <a:effectLst>
-            <a:outerShdw blurRad="190500" algn="tl" rotWithShape="0">
-              <a:srgbClr val="000000">
-                <a:alpha val="70000"/>
-              </a:srgbClr>
-            </a:outerShdw>
-          </a:effectLst>
-        </p:spPr>
-      </p:pic>
-      <p:pic>
-        <p:nvPicPr>
-          <p:cNvPr id="8" name="Рисунок 7" descr="Зображення, що містить текст, небо, надворі, синій&#10;&#10;Автоматично згенерований опис">
-            <a:extLst>
-              <a:ext uri="{FF2B5EF4-FFF2-40B4-BE49-F238E27FC236}">
-                <a16:creationId xmlns:a16="http://schemas.microsoft.com/office/drawing/2014/main" id="{389BEADC-6033-4720-AA4E-129AD6B196E1}"/>
-              </a:ext>
-            </a:extLst>
-          </p:cNvPr>
-          <p:cNvPicPr>
-            <a:picLocks noChangeAspect="1"/>
-          </p:cNvPicPr>
-          <p:nvPr/>
-        </p:nvPicPr>
-        <p:blipFill rotWithShape="1">
-          <a:blip r:embed="rId3">
-            <a:extLst>
-              <a:ext uri="{28A0092B-C50C-407E-A947-70E740481C1C}">
-                <a14:useLocalDpi xmlns:a14="http://schemas.microsoft.com/office/drawing/2010/main" val="0"/>
-              </a:ext>
-            </a:extLst>
-          </a:blip>
-          <a:srcRect l="35868" t="18316" r="35233" b="20430"/>
-          <a:stretch/>
-        </p:blipFill>
-        <p:spPr>
-          <a:xfrm>
-            <a:off x="816968" y="296652"/>
-            <a:ext cx="5256584" cy="6264696"/>
-          </a:xfrm>
-          <a:prstGeom prst="rect">
-            <a:avLst/>
-          </a:prstGeom>
-          <a:ln>
-            <a:noFill/>
-          </a:ln>
-          <a:effectLst>
-            <a:outerShdw blurRad="190500" algn="tl" rotWithShape="0">
-              <a:srgbClr val="000000">
-                <a:alpha val="70000"/>
-              </a:srgbClr>
-            </a:outerShdw>
-          </a:effectLst>
         </p:spPr>
       </p:pic>
     </p:spTree>
@@ -7372,7 +7373,7 @@
         <p:spPr>
           <a:xfrm>
             <a:off x="0" y="2649686"/>
-            <a:ext cx="12192000" cy="1569660"/>
+            <a:ext cx="12192000" cy="1323439"/>
           </a:xfrm>
           <a:prstGeom prst="rect">
             <a:avLst/>
@@ -7387,7 +7388,7 @@
           <a:p>
             <a:pPr algn="ctr"/>
             <a:r>
-              <a:rPr lang="en-US" sz="9600" b="1" dirty="0">
+              <a:rPr lang="en-US" sz="8000" b="1" dirty="0">
                 <a:solidFill>
                   <a:schemeClr val="bg1"/>
                 </a:solidFill>
@@ -7395,7 +7396,7 @@
               <a:t>One </a:t>
             </a:r>
             <a:r>
-              <a:rPr lang="en-US" sz="9600" b="1" dirty="0">
+              <a:rPr lang="en-US" sz="8000" b="1" dirty="0">
                 <a:solidFill>
                   <a:srgbClr val="FFFF00"/>
                 </a:solidFill>
@@ -7403,14 +7404,14 @@
               <a:t>more</a:t>
             </a:r>
             <a:r>
-              <a:rPr lang="en-US" sz="9600" b="1" dirty="0">
+              <a:rPr lang="en-US" sz="8000" b="1" dirty="0">
                 <a:solidFill>
                   <a:schemeClr val="bg1"/>
                 </a:solidFill>
               </a:rPr>
               <a:t> thing…</a:t>
             </a:r>
-            <a:endParaRPr lang="uk-UA" sz="9600" b="1" dirty="0">
+            <a:endParaRPr lang="uk-UA" sz="8000" b="1" dirty="0">
               <a:solidFill>
                 <a:schemeClr val="bg1"/>
               </a:solidFill>
